--- a/CursoSaúdeMental/IntroducaoMhGAP.pptx
+++ b/CursoSaúdeMental/IntroducaoMhGAP.pptx
@@ -5,20 +5,22 @@
     <p:sldMasterId id="2147483648" r:id="rId4"/>
   </p:sldMasterIdLst>
   <p:notesMasterIdLst>
-    <p:notesMasterId r:id="rId13"/>
+    <p:notesMasterId r:id="rId15"/>
   </p:notesMasterIdLst>
   <p:handoutMasterIdLst>
-    <p:handoutMasterId r:id="rId14"/>
+    <p:handoutMasterId r:id="rId16"/>
   </p:handoutMasterIdLst>
   <p:sldIdLst>
     <p:sldId id="275" r:id="rId5"/>
     <p:sldId id="282" r:id="rId6"/>
     <p:sldId id="276" r:id="rId7"/>
-    <p:sldId id="277" r:id="rId8"/>
-    <p:sldId id="278" r:id="rId9"/>
-    <p:sldId id="279" r:id="rId10"/>
-    <p:sldId id="280" r:id="rId11"/>
-    <p:sldId id="281" r:id="rId12"/>
+    <p:sldId id="284" r:id="rId8"/>
+    <p:sldId id="283" r:id="rId9"/>
+    <p:sldId id="277" r:id="rId10"/>
+    <p:sldId id="278" r:id="rId11"/>
+    <p:sldId id="279" r:id="rId12"/>
+    <p:sldId id="280" r:id="rId13"/>
+    <p:sldId id="281" r:id="rId14"/>
   </p:sldIdLst>
   <p:sldSz cx="12192000" cy="6858000"/>
   <p:notesSz cx="6858000" cy="9144000"/>
@@ -4366,13 +4368,13 @@
   <p:clrMapOvr>
     <a:masterClrMapping/>
   </p:clrMapOvr>
-  <mc:AlternateContent xmlns:mc="http://schemas.openxmlformats.org/markup-compatibility/2006">
-    <mc:Choice xmlns:p14="http://schemas.microsoft.com/office/powerpoint/2010/main" Requires="p14">
+  <mc:AlternateContent xmlns:mc="http://schemas.openxmlformats.org/markup-compatibility/2006" xmlns:p14="http://schemas.microsoft.com/office/powerpoint/2010/main">
+    <mc:Choice Requires="p14">
       <p:transition spd="med" p14:dur="700">
         <p:fade/>
       </p:transition>
     </mc:Choice>
-    <mc:Fallback>
+    <mc:Fallback xmlns="">
       <p:transition spd="med">
         <p:fade/>
       </p:transition>
@@ -4771,13 +4773,13 @@
   <p:clrMapOvr>
     <a:masterClrMapping/>
   </p:clrMapOvr>
-  <mc:AlternateContent xmlns:mc="http://schemas.openxmlformats.org/markup-compatibility/2006">
-    <mc:Choice xmlns:p14="http://schemas.microsoft.com/office/powerpoint/2010/main" Requires="p14">
+  <mc:AlternateContent xmlns:mc="http://schemas.openxmlformats.org/markup-compatibility/2006" xmlns:p14="http://schemas.microsoft.com/office/powerpoint/2010/main">
+    <mc:Choice Requires="p14">
       <p:transition spd="med" p14:dur="700">
         <p:fade/>
       </p:transition>
     </mc:Choice>
-    <mc:Fallback>
+    <mc:Fallback xmlns="">
       <p:transition spd="med">
         <p:fade/>
       </p:transition>
@@ -6529,13 +6531,13 @@
   <p:clrMapOvr>
     <a:masterClrMapping/>
   </p:clrMapOvr>
-  <mc:AlternateContent xmlns:mc="http://schemas.openxmlformats.org/markup-compatibility/2006">
-    <mc:Choice xmlns:p14="http://schemas.microsoft.com/office/powerpoint/2010/main" Requires="p14">
+  <mc:AlternateContent xmlns:mc="http://schemas.openxmlformats.org/markup-compatibility/2006" xmlns:p14="http://schemas.microsoft.com/office/powerpoint/2010/main">
+    <mc:Choice Requires="p14">
       <p:transition spd="med" p14:dur="700">
         <p:fade/>
       </p:transition>
     </mc:Choice>
-    <mc:Fallback>
+    <mc:Fallback xmlns="">
       <p:transition spd="med">
         <p:fade/>
       </p:transition>
@@ -7027,13 +7029,13 @@
   <p:clrMapOvr>
     <a:masterClrMapping/>
   </p:clrMapOvr>
-  <mc:AlternateContent xmlns:mc="http://schemas.openxmlformats.org/markup-compatibility/2006">
-    <mc:Choice xmlns:p14="http://schemas.microsoft.com/office/powerpoint/2010/main" Requires="p14">
+  <mc:AlternateContent xmlns:mc="http://schemas.openxmlformats.org/markup-compatibility/2006" xmlns:p14="http://schemas.microsoft.com/office/powerpoint/2010/main">
+    <mc:Choice Requires="p14">
       <p:transition spd="med" p14:dur="700">
         <p:fade/>
       </p:transition>
     </mc:Choice>
-    <mc:Fallback>
+    <mc:Fallback xmlns="">
       <p:transition spd="med">
         <p:fade/>
       </p:transition>
@@ -7328,13 +7330,13 @@
   <p:clrMapOvr>
     <a:masterClrMapping/>
   </p:clrMapOvr>
-  <mc:AlternateContent xmlns:mc="http://schemas.openxmlformats.org/markup-compatibility/2006">
-    <mc:Choice xmlns:p14="http://schemas.microsoft.com/office/powerpoint/2010/main" Requires="p14">
+  <mc:AlternateContent xmlns:mc="http://schemas.openxmlformats.org/markup-compatibility/2006" xmlns:p14="http://schemas.microsoft.com/office/powerpoint/2010/main">
+    <mc:Choice Requires="p14">
       <p:transition spd="med" p14:dur="700">
         <p:fade/>
       </p:transition>
     </mc:Choice>
-    <mc:Fallback>
+    <mc:Fallback xmlns="">
       <p:transition spd="med">
         <p:fade/>
       </p:transition>
@@ -7804,13 +7806,13 @@
   <p:clrMapOvr>
     <a:masterClrMapping/>
   </p:clrMapOvr>
-  <mc:AlternateContent xmlns:mc="http://schemas.openxmlformats.org/markup-compatibility/2006">
-    <mc:Choice xmlns:p14="http://schemas.microsoft.com/office/powerpoint/2010/main" Requires="p14">
+  <mc:AlternateContent xmlns:mc="http://schemas.openxmlformats.org/markup-compatibility/2006" xmlns:p14="http://schemas.microsoft.com/office/powerpoint/2010/main">
+    <mc:Choice Requires="p14">
       <p:transition spd="med" p14:dur="700">
         <p:fade/>
       </p:transition>
     </mc:Choice>
-    <mc:Fallback>
+    <mc:Fallback xmlns="">
       <p:transition spd="med">
         <p:fade/>
       </p:transition>
@@ -8019,13 +8021,13 @@
   <p:clrMapOvr>
     <a:masterClrMapping/>
   </p:clrMapOvr>
-  <mc:AlternateContent xmlns:mc="http://schemas.openxmlformats.org/markup-compatibility/2006">
-    <mc:Choice xmlns:p14="http://schemas.microsoft.com/office/powerpoint/2010/main" Requires="p14">
+  <mc:AlternateContent xmlns:mc="http://schemas.openxmlformats.org/markup-compatibility/2006" xmlns:p14="http://schemas.microsoft.com/office/powerpoint/2010/main">
+    <mc:Choice Requires="p14">
       <p:transition spd="med" p14:dur="700">
         <p:fade/>
       </p:transition>
     </mc:Choice>
-    <mc:Fallback>
+    <mc:Fallback xmlns="">
       <p:transition spd="med">
         <p:fade/>
       </p:transition>
@@ -8191,13 +8193,13 @@
   <p:clrMapOvr>
     <a:masterClrMapping/>
   </p:clrMapOvr>
-  <mc:AlternateContent xmlns:mc="http://schemas.openxmlformats.org/markup-compatibility/2006">
-    <mc:Choice xmlns:p14="http://schemas.microsoft.com/office/powerpoint/2010/main" Requires="p14">
+  <mc:AlternateContent xmlns:mc="http://schemas.openxmlformats.org/markup-compatibility/2006" xmlns:p14="http://schemas.microsoft.com/office/powerpoint/2010/main">
+    <mc:Choice Requires="p14">
       <p:transition spd="med" p14:dur="700">
         <p:fade/>
       </p:transition>
     </mc:Choice>
-    <mc:Fallback>
+    <mc:Fallback xmlns="">
       <p:transition spd="med">
         <p:fade/>
       </p:transition>
@@ -8406,13 +8408,13 @@
   <p:clrMapOvr>
     <a:masterClrMapping/>
   </p:clrMapOvr>
-  <mc:AlternateContent xmlns:mc="http://schemas.openxmlformats.org/markup-compatibility/2006">
-    <mc:Choice xmlns:p14="http://schemas.microsoft.com/office/powerpoint/2010/main" Requires="p14">
+  <mc:AlternateContent xmlns:mc="http://schemas.openxmlformats.org/markup-compatibility/2006" xmlns:p14="http://schemas.microsoft.com/office/powerpoint/2010/main">
+    <mc:Choice Requires="p14">
       <p:transition spd="med" p14:dur="700">
         <p:fade/>
       </p:transition>
     </mc:Choice>
-    <mc:Fallback>
+    <mc:Fallback xmlns="">
       <p:transition spd="med">
         <p:fade/>
       </p:transition>
@@ -8423,7 +8425,7 @@
 
 <file path=ppt/slideLayouts/slideLayout5.xml><?xml version="1.0" encoding="utf-8"?>
 <p:sldLayout xmlns:a="http://schemas.openxmlformats.org/drawingml/2006/main" xmlns:r="http://schemas.openxmlformats.org/officeDocument/2006/relationships" xmlns:p="http://schemas.openxmlformats.org/presentationml/2006/main" preserve="1" userDrawn="1">
-  <p:cSld name="60 40 Divisão Vertical">
+  <p:cSld name="3_Layout Personalizado">
     <p:spTree>
       <p:nvGrpSpPr>
         <p:cNvPr id="1" name=""/>
@@ -8440,307 +8442,10 @@
       </p:grpSpPr>
       <p:sp>
         <p:nvSpPr>
-          <p:cNvPr id="9" name="Retângulo 8">
-            <a:extLst>
-              <a:ext uri="{FF2B5EF4-FFF2-40B4-BE49-F238E27FC236}">
-                <a16:creationId xmlns:a16="http://schemas.microsoft.com/office/drawing/2014/main" id="{6F76D43D-0DDD-4BAD-8213-BDBF75C30A0C}"/>
-              </a:ext>
-              <a:ext uri="{C183D7F6-B498-43B3-948B-1728B52AA6E4}">
-                <adec:decorative xmlns:adec="http://schemas.microsoft.com/office/drawing/2017/decorative" val="1"/>
-              </a:ext>
-            </a:extLst>
-          </p:cNvPr>
-          <p:cNvSpPr/>
-          <p:nvPr userDrawn="1"/>
-        </p:nvSpPr>
-        <p:spPr>
-          <a:xfrm>
-            <a:off x="676118" y="4338116"/>
-            <a:ext cx="10839764" cy="45719"/>
-          </a:xfrm>
-          <a:prstGeom prst="rect">
-            <a:avLst/>
-          </a:prstGeom>
-          <a:solidFill>
-            <a:schemeClr val="tx1">
-              <a:alpha val="56000"/>
-            </a:schemeClr>
-          </a:solidFill>
-          <a:ln>
-            <a:noFill/>
-          </a:ln>
-        </p:spPr>
-        <p:style>
-          <a:lnRef idx="2">
-            <a:schemeClr val="accent1">
-              <a:shade val="50000"/>
-            </a:schemeClr>
-          </a:lnRef>
-          <a:fillRef idx="1">
-            <a:schemeClr val="accent1"/>
-          </a:fillRef>
-          <a:effectRef idx="0">
-            <a:schemeClr val="accent1"/>
-          </a:effectRef>
-          <a:fontRef idx="minor">
-            <a:schemeClr val="lt1"/>
-          </a:fontRef>
-        </p:style>
-        <p:txBody>
-          <a:bodyPr rtlCol="0" anchor="ctr"/>
-          <a:lstStyle/>
-          <a:p>
-            <a:pPr algn="ctr" rtl="0"/>
-            <a:endParaRPr lang="pt-BR" noProof="0" dirty="0"/>
-          </a:p>
-        </p:txBody>
-      </p:sp>
-      <p:sp>
-        <p:nvSpPr>
-          <p:cNvPr id="8" name="Espaço Reservado para Texto 3">
-            <a:extLst>
-              <a:ext uri="{FF2B5EF4-FFF2-40B4-BE49-F238E27FC236}">
-                <a16:creationId xmlns:a16="http://schemas.microsoft.com/office/drawing/2014/main" id="{A6D3ACF3-E1F5-4332-9836-C8E6C46591BB}"/>
-              </a:ext>
-            </a:extLst>
-          </p:cNvPr>
-          <p:cNvSpPr txBox="1">
-            <a:spLocks/>
-          </p:cNvSpPr>
-          <p:nvPr userDrawn="1"/>
-        </p:nvSpPr>
-        <p:spPr>
-          <a:xfrm>
-            <a:off x="0" y="-436"/>
-            <a:ext cx="12192000" cy="4343836"/>
-          </a:xfrm>
-          <a:prstGeom prst="rect">
-            <a:avLst/>
-          </a:prstGeom>
-          <a:gradFill>
-            <a:gsLst>
-              <a:gs pos="0">
-                <a:schemeClr val="tx2"/>
-              </a:gs>
-              <a:gs pos="100000">
-                <a:schemeClr val="accent2"/>
-              </a:gs>
-            </a:gsLst>
-            <a:lin ang="14400000" scaled="0"/>
-          </a:gradFill>
-        </p:spPr>
-        <p:txBody>
-          <a:bodyPr rtlCol="0"/>
-          <a:lstStyle>
-            <a:lvl1pPr marL="266700" indent="-266700" algn="l" defTabSz="914400" rtl="0" eaLnBrk="1" latinLnBrk="0" hangingPunct="1">
-              <a:lnSpc>
-                <a:spcPct val="100000"/>
-              </a:lnSpc>
-              <a:spcBef>
-                <a:spcPts val="0"/>
-              </a:spcBef>
-              <a:spcAft>
-                <a:spcPts val="1000"/>
-              </a:spcAft>
-              <a:buClr>
-                <a:schemeClr val="accent2"/>
-              </a:buClr>
-              <a:buFont typeface="Arial" panose="020B0604020202020204" pitchFamily="34" charset="0"/>
-              <a:buChar char="●"/>
-              <a:defRPr sz="1600" kern="1200">
-                <a:solidFill>
-                  <a:schemeClr val="tx1"/>
-                </a:solidFill>
-                <a:latin typeface="+mn-lt"/>
-                <a:ea typeface="+mn-ea"/>
-                <a:cs typeface="+mn-cs"/>
-              </a:defRPr>
-            </a:lvl1pPr>
-            <a:lvl2pPr marL="447675" indent="-180975" algn="l" defTabSz="914400" rtl="0" eaLnBrk="1" latinLnBrk="0" hangingPunct="1">
-              <a:lnSpc>
-                <a:spcPct val="100000"/>
-              </a:lnSpc>
-              <a:spcBef>
-                <a:spcPts val="0"/>
-              </a:spcBef>
-              <a:spcAft>
-                <a:spcPts val="1000"/>
-              </a:spcAft>
-              <a:buClr>
-                <a:schemeClr val="accent2"/>
-              </a:buClr>
-              <a:buFontTx/>
-              <a:buChar char="–"/>
-              <a:defRPr sz="1400" kern="1200">
-                <a:solidFill>
-                  <a:schemeClr val="tx1"/>
-                </a:solidFill>
-                <a:latin typeface="+mn-lt"/>
-                <a:ea typeface="+mn-ea"/>
-                <a:cs typeface="+mn-cs"/>
-              </a:defRPr>
-            </a:lvl2pPr>
-            <a:lvl3pPr marL="628650" indent="-180975" algn="l" defTabSz="914400" rtl="0" eaLnBrk="1" latinLnBrk="0" hangingPunct="1">
-              <a:lnSpc>
-                <a:spcPct val="100000"/>
-              </a:lnSpc>
-              <a:spcBef>
-                <a:spcPts val="0"/>
-              </a:spcBef>
-              <a:spcAft>
-                <a:spcPts val="1000"/>
-              </a:spcAft>
-              <a:buClr>
-                <a:schemeClr val="tx1">
-                  <a:lumMod val="50000"/>
-                  <a:lumOff val="50000"/>
-                </a:schemeClr>
-              </a:buClr>
-              <a:buFont typeface="Arial" panose="020B0604020202020204" pitchFamily="34" charset="0"/>
-              <a:buChar char="•"/>
-              <a:defRPr sz="1200" kern="1200">
-                <a:solidFill>
-                  <a:schemeClr val="tx1"/>
-                </a:solidFill>
-                <a:latin typeface="+mn-lt"/>
-                <a:ea typeface="+mn-ea"/>
-                <a:cs typeface="+mn-cs"/>
-              </a:defRPr>
-            </a:lvl3pPr>
-            <a:lvl4pPr marL="809625" indent="-180975" algn="l" defTabSz="914400" rtl="0" eaLnBrk="1" latinLnBrk="0" hangingPunct="1">
-              <a:lnSpc>
-                <a:spcPct val="100000"/>
-              </a:lnSpc>
-              <a:spcBef>
-                <a:spcPts val="0"/>
-              </a:spcBef>
-              <a:spcAft>
-                <a:spcPts val="1000"/>
-              </a:spcAft>
-              <a:buClr>
-                <a:schemeClr val="tx1">
-                  <a:lumMod val="75000"/>
-                  <a:lumOff val="25000"/>
-                </a:schemeClr>
-              </a:buClr>
-              <a:buSzPct val="80000"/>
-              <a:buFont typeface="Courier New" panose="02070309020205020404" pitchFamily="49" charset="0"/>
-              <a:buChar char="o"/>
-              <a:defRPr sz="1000" kern="1200">
-                <a:solidFill>
-                  <a:schemeClr val="tx1"/>
-                </a:solidFill>
-                <a:latin typeface="+mn-lt"/>
-                <a:ea typeface="+mn-ea"/>
-                <a:cs typeface="+mn-cs"/>
-              </a:defRPr>
-            </a:lvl4pPr>
-            <a:lvl5pPr marL="990600" indent="-180975" algn="l" defTabSz="914400" rtl="0" eaLnBrk="1" latinLnBrk="0" hangingPunct="1">
-              <a:lnSpc>
-                <a:spcPct val="100000"/>
-              </a:lnSpc>
-              <a:spcBef>
-                <a:spcPts val="0"/>
-              </a:spcBef>
-              <a:spcAft>
-                <a:spcPts val="1000"/>
-              </a:spcAft>
-              <a:buFont typeface="Arial" panose="020B0604020202020204" pitchFamily="34" charset="0"/>
-              <a:buChar char="•"/>
-              <a:defRPr sz="1000" kern="1200">
-                <a:solidFill>
-                  <a:schemeClr val="tx1"/>
-                </a:solidFill>
-                <a:latin typeface="+mn-lt"/>
-                <a:ea typeface="+mn-ea"/>
-                <a:cs typeface="+mn-cs"/>
-              </a:defRPr>
-            </a:lvl5pPr>
-            <a:lvl6pPr marL="2514600" indent="-228600" algn="l" defTabSz="914400" rtl="0" eaLnBrk="1" latinLnBrk="0" hangingPunct="1">
-              <a:lnSpc>
-                <a:spcPct val="90000"/>
-              </a:lnSpc>
-              <a:spcBef>
-                <a:spcPts val="500"/>
-              </a:spcBef>
-              <a:buFont typeface="Arial" panose="020B0604020202020204" pitchFamily="34" charset="0"/>
-              <a:buChar char="•"/>
-              <a:defRPr sz="1800" kern="1200">
-                <a:solidFill>
-                  <a:schemeClr val="tx1"/>
-                </a:solidFill>
-                <a:latin typeface="+mn-lt"/>
-                <a:ea typeface="+mn-ea"/>
-                <a:cs typeface="+mn-cs"/>
-              </a:defRPr>
-            </a:lvl6pPr>
-            <a:lvl7pPr marL="2971800" indent="-228600" algn="l" defTabSz="914400" rtl="0" eaLnBrk="1" latinLnBrk="0" hangingPunct="1">
-              <a:lnSpc>
-                <a:spcPct val="90000"/>
-              </a:lnSpc>
-              <a:spcBef>
-                <a:spcPts val="500"/>
-              </a:spcBef>
-              <a:buFont typeface="Arial" panose="020B0604020202020204" pitchFamily="34" charset="0"/>
-              <a:buChar char="•"/>
-              <a:defRPr sz="1800" kern="1200">
-                <a:solidFill>
-                  <a:schemeClr val="tx1"/>
-                </a:solidFill>
-                <a:latin typeface="+mn-lt"/>
-                <a:ea typeface="+mn-ea"/>
-                <a:cs typeface="+mn-cs"/>
-              </a:defRPr>
-            </a:lvl7pPr>
-            <a:lvl8pPr marL="3429000" indent="-228600" algn="l" defTabSz="914400" rtl="0" eaLnBrk="1" latinLnBrk="0" hangingPunct="1">
-              <a:lnSpc>
-                <a:spcPct val="90000"/>
-              </a:lnSpc>
-              <a:spcBef>
-                <a:spcPts val="500"/>
-              </a:spcBef>
-              <a:buFont typeface="Arial" panose="020B0604020202020204" pitchFamily="34" charset="0"/>
-              <a:buChar char="•"/>
-              <a:defRPr sz="1800" kern="1200">
-                <a:solidFill>
-                  <a:schemeClr val="tx1"/>
-                </a:solidFill>
-                <a:latin typeface="+mn-lt"/>
-                <a:ea typeface="+mn-ea"/>
-                <a:cs typeface="+mn-cs"/>
-              </a:defRPr>
-            </a:lvl8pPr>
-            <a:lvl9pPr marL="3886200" indent="-228600" algn="l" defTabSz="914400" rtl="0" eaLnBrk="1" latinLnBrk="0" hangingPunct="1">
-              <a:lnSpc>
-                <a:spcPct val="90000"/>
-              </a:lnSpc>
-              <a:spcBef>
-                <a:spcPts val="500"/>
-              </a:spcBef>
-              <a:buFont typeface="Arial" panose="020B0604020202020204" pitchFamily="34" charset="0"/>
-              <a:buChar char="•"/>
-              <a:defRPr sz="1800" kern="1200">
-                <a:solidFill>
-                  <a:schemeClr val="tx1"/>
-                </a:solidFill>
-                <a:latin typeface="+mn-lt"/>
-                <a:ea typeface="+mn-ea"/>
-                <a:cs typeface="+mn-cs"/>
-              </a:defRPr>
-            </a:lvl9pPr>
-          </a:lstStyle>
-          <a:p>
-            <a:pPr rtl="0"/>
-            <a:endParaRPr lang="pt-BR" noProof="0" dirty="0"/>
-          </a:p>
-        </p:txBody>
-      </p:sp>
-      <p:sp>
-        <p:nvSpPr>
           <p:cNvPr id="2" name="Título 1">
             <a:extLst>
               <a:ext uri="{FF2B5EF4-FFF2-40B4-BE49-F238E27FC236}">
-                <a16:creationId xmlns:a16="http://schemas.microsoft.com/office/drawing/2014/main" id="{0BDF8FE7-66F4-4586-B49B-61E115ED291E}"/>
+                <a16:creationId xmlns:a16="http://schemas.microsoft.com/office/drawing/2014/main" id="{09325E6F-EECF-F143-2E2E-031E82A50681}"/>
               </a:ext>
             </a:extLst>
           </p:cNvPr>
@@ -8751,34 +8456,29 @@
             <p:ph type="title"/>
           </p:nvPr>
         </p:nvSpPr>
-        <p:spPr/>
+        <p:spPr>
+          <a:xfrm>
+            <a:off x="683999" y="745067"/>
+            <a:ext cx="9340533" cy="433285"/>
+          </a:xfrm>
+        </p:spPr>
         <p:txBody>
-          <a:bodyPr rtlCol="0"/>
-          <a:lstStyle>
-            <a:lvl1pPr>
-              <a:defRPr>
-                <a:solidFill>
-                  <a:schemeClr val="bg1"/>
-                </a:solidFill>
-              </a:defRPr>
-            </a:lvl1pPr>
-          </a:lstStyle>
-          <a:p>
-            <a:pPr rtl="0"/>
+          <a:bodyPr/>
+          <a:lstStyle/>
+          <a:p>
             <a:r>
-              <a:rPr lang="pt-BR" noProof="0"/>
+              <a:rPr lang="pt-BR" dirty="0"/>
               <a:t>Clique para editar o título Mestre</a:t>
             </a:r>
-            <a:endParaRPr lang="pt-BR" noProof="0" dirty="0"/>
           </a:p>
         </p:txBody>
       </p:sp>
       <p:sp>
         <p:nvSpPr>
-          <p:cNvPr id="6" name="Espaço Reservado para Rodapé 5">
+          <p:cNvPr id="10" name="Espaço Reservado para Imagem 9">
             <a:extLst>
               <a:ext uri="{FF2B5EF4-FFF2-40B4-BE49-F238E27FC236}">
-                <a16:creationId xmlns:a16="http://schemas.microsoft.com/office/drawing/2014/main" id="{AEB5B890-F885-418C-9812-59970CAC6BCD}"/>
+                <a16:creationId xmlns:a16="http://schemas.microsoft.com/office/drawing/2014/main" id="{AFCF6E5D-C305-7684-F398-DA15C358B634}"/>
               </a:ext>
             </a:extLst>
           </p:cNvPr>
@@ -8786,33 +8486,34 @@
             <a:spLocks noGrp="1"/>
           </p:cNvSpPr>
           <p:nvPr>
-            <p:ph type="ftr" sz="quarter" idx="10"/>
+            <p:ph type="pic" sz="quarter" idx="13"/>
           </p:nvPr>
         </p:nvSpPr>
         <p:spPr>
           <a:xfrm>
-            <a:off x="288000" y="6192000"/>
-            <a:ext cx="7560000" cy="360000"/>
+            <a:off x="683999" y="1750424"/>
+            <a:ext cx="4493668" cy="4885508"/>
           </a:xfrm>
-          <a:prstGeom prst="rect">
-            <a:avLst/>
-          </a:prstGeom>
         </p:spPr>
         <p:txBody>
-          <a:bodyPr rtlCol="0"/>
-          <a:lstStyle/>
-          <a:p>
-            <a:pPr rtl="0"/>
-            <a:endParaRPr lang="pt-BR" noProof="0" dirty="0"/>
+          <a:bodyPr/>
+          <a:lstStyle>
+            <a:lvl1pPr marL="0" indent="0">
+              <a:buNone/>
+              <a:defRPr/>
+            </a:lvl1pPr>
+          </a:lstStyle>
+          <a:p>
+            <a:endParaRPr lang="pt-BR" dirty="0"/>
           </a:p>
         </p:txBody>
       </p:sp>
       <p:sp>
         <p:nvSpPr>
-          <p:cNvPr id="7" name="Espaço Reservado para o Número do Slide 6">
+          <p:cNvPr id="3" name="Espaço Reservado para Imagem 9">
             <a:extLst>
               <a:ext uri="{FF2B5EF4-FFF2-40B4-BE49-F238E27FC236}">
-                <a16:creationId xmlns:a16="http://schemas.microsoft.com/office/drawing/2014/main" id="{50521507-88DE-417D-8076-D9152E1E1409}"/>
+                <a16:creationId xmlns:a16="http://schemas.microsoft.com/office/drawing/2014/main" id="{CAC5B6EF-CB96-4E58-A464-A9111D6B5737}"/>
               </a:ext>
             </a:extLst>
           </p:cNvPr>
@@ -8820,346 +8521,32 @@
             <a:spLocks noGrp="1"/>
           </p:cNvSpPr>
           <p:nvPr>
-            <p:ph type="sldNum" sz="quarter" idx="11"/>
+            <p:ph type="pic" sz="quarter" idx="14"/>
           </p:nvPr>
         </p:nvSpPr>
         <p:spPr>
           <a:xfrm>
-            <a:off x="11575764" y="6241764"/>
-            <a:ext cx="270474" cy="270474"/>
-          </a:xfrm>
-          <a:prstGeom prst="ellipse">
-            <a:avLst/>
-          </a:prstGeom>
-        </p:spPr>
-        <p:txBody>
-          <a:bodyPr rtlCol="0"/>
-          <a:lstStyle/>
-          <a:p>
-            <a:pPr rtl="0"/>
-            <a:fld id="{EECC7194-A4D0-457B-9D3E-53681723AFF7}" type="slidenum">
-              <a:rPr lang="pt-BR" noProof="0" smtClean="0"/>
-              <a:pPr rtl="0"/>
-              <a:t>‹nº›</a:t>
-            </a:fld>
-            <a:endParaRPr lang="pt-BR" noProof="0" dirty="0"/>
-          </a:p>
-        </p:txBody>
-      </p:sp>
-      <p:sp>
-        <p:nvSpPr>
-          <p:cNvPr id="4" name="Espaço Reservado para Texto 3">
-            <a:extLst>
-              <a:ext uri="{FF2B5EF4-FFF2-40B4-BE49-F238E27FC236}">
-                <a16:creationId xmlns:a16="http://schemas.microsoft.com/office/drawing/2014/main" id="{1DFC7DDD-6F93-45F8-AFD6-95AA051FE809}"/>
-              </a:ext>
-            </a:extLst>
-          </p:cNvPr>
-          <p:cNvSpPr>
-            <a:spLocks noGrp="1"/>
-          </p:cNvSpPr>
-          <p:nvPr>
-            <p:ph type="body" sz="quarter" idx="12" hasCustomPrompt="1"/>
-          </p:nvPr>
-        </p:nvSpPr>
-        <p:spPr>
-          <a:xfrm>
-            <a:off x="684213" y="1405643"/>
-            <a:ext cx="7559675" cy="360000"/>
+            <a:off x="5530864" y="1750424"/>
+            <a:ext cx="4493668" cy="4885508"/>
           </a:xfrm>
         </p:spPr>
         <p:txBody>
-          <a:bodyPr rtlCol="0"/>
+          <a:bodyPr/>
           <a:lstStyle>
             <a:lvl1pPr marL="0" indent="0">
               <a:buNone/>
-              <a:defRPr sz="2200">
-                <a:solidFill>
-                  <a:schemeClr val="bg1"/>
-                </a:solidFill>
-                <a:latin typeface="+mj-lt"/>
-              </a:defRPr>
+              <a:defRPr/>
             </a:lvl1pPr>
           </a:lstStyle>
           <a:p>
-            <a:pPr lvl="0" rtl="0"/>
-            <a:r>
-              <a:rPr lang="pt-BR" noProof="0" dirty="0"/>
-              <a:t>SUBTÍTULO</a:t>
-            </a:r>
-          </a:p>
-        </p:txBody>
-      </p:sp>
-      <p:sp>
-        <p:nvSpPr>
-          <p:cNvPr id="21" name="Forma livre: Forma 20">
-            <a:extLst>
-              <a:ext uri="{FF2B5EF4-FFF2-40B4-BE49-F238E27FC236}">
-                <a16:creationId xmlns:a16="http://schemas.microsoft.com/office/drawing/2014/main" id="{D1CD6042-5DF4-4624-BC32-25F68745304A}"/>
-              </a:ext>
-            </a:extLst>
-          </p:cNvPr>
-          <p:cNvSpPr/>
-          <p:nvPr userDrawn="1"/>
-        </p:nvSpPr>
-        <p:spPr>
-          <a:xfrm rot="5400000">
-            <a:off x="8220300" y="371700"/>
-            <a:ext cx="4343400" cy="3600000"/>
-          </a:xfrm>
-          <a:custGeom>
-            <a:avLst/>
-            <a:gdLst>
-              <a:gd name="connsiteX0" fmla="*/ 0 w 4343400"/>
-              <a:gd name="connsiteY0" fmla="*/ 3600000 h 3600000"/>
-              <a:gd name="connsiteX1" fmla="*/ 0 w 4343400"/>
-              <a:gd name="connsiteY1" fmla="*/ 0 h 3600000"/>
-              <a:gd name="connsiteX2" fmla="*/ 180000 w 4343400"/>
-              <a:gd name="connsiteY2" fmla="*/ 0 h 3600000"/>
-              <a:gd name="connsiteX3" fmla="*/ 4343400 w 4343400"/>
-              <a:gd name="connsiteY3" fmla="*/ 0 h 3600000"/>
-              <a:gd name="connsiteX4" fmla="*/ 4343400 w 4343400"/>
-              <a:gd name="connsiteY4" fmla="*/ 180000 h 3600000"/>
-              <a:gd name="connsiteX5" fmla="*/ 180000 w 4343400"/>
-              <a:gd name="connsiteY5" fmla="*/ 180000 h 3600000"/>
-              <a:gd name="connsiteX6" fmla="*/ 180000 w 4343400"/>
-              <a:gd name="connsiteY6" fmla="*/ 3600000 h 3600000"/>
-            </a:gdLst>
-            <a:ahLst/>
-            <a:cxnLst>
-              <a:cxn ang="0">
-                <a:pos x="connsiteX0" y="connsiteY0"/>
-              </a:cxn>
-              <a:cxn ang="0">
-                <a:pos x="connsiteX1" y="connsiteY1"/>
-              </a:cxn>
-              <a:cxn ang="0">
-                <a:pos x="connsiteX2" y="connsiteY2"/>
-              </a:cxn>
-              <a:cxn ang="0">
-                <a:pos x="connsiteX3" y="connsiteY3"/>
-              </a:cxn>
-              <a:cxn ang="0">
-                <a:pos x="connsiteX4" y="connsiteY4"/>
-              </a:cxn>
-              <a:cxn ang="0">
-                <a:pos x="connsiteX5" y="connsiteY5"/>
-              </a:cxn>
-              <a:cxn ang="0">
-                <a:pos x="connsiteX6" y="connsiteY6"/>
-              </a:cxn>
-            </a:cxnLst>
-            <a:rect l="l" t="t" r="r" b="b"/>
-            <a:pathLst>
-              <a:path w="4343400" h="3600000">
-                <a:moveTo>
-                  <a:pt x="0" y="3600000"/>
-                </a:moveTo>
-                <a:lnTo>
-                  <a:pt x="0" y="0"/>
-                </a:lnTo>
-                <a:lnTo>
-                  <a:pt x="180000" y="0"/>
-                </a:lnTo>
-                <a:lnTo>
-                  <a:pt x="4343400" y="0"/>
-                </a:lnTo>
-                <a:lnTo>
-                  <a:pt x="4343400" y="180000"/>
-                </a:lnTo>
-                <a:lnTo>
-                  <a:pt x="180000" y="180000"/>
-                </a:lnTo>
-                <a:lnTo>
-                  <a:pt x="180000" y="3600000"/>
-                </a:lnTo>
-                <a:close/>
-              </a:path>
-            </a:pathLst>
-          </a:custGeom>
-          <a:gradFill>
-            <a:gsLst>
-              <a:gs pos="0">
-                <a:schemeClr val="bg1">
-                  <a:alpha val="5000"/>
-                </a:schemeClr>
-              </a:gs>
-              <a:gs pos="100000">
-                <a:schemeClr val="bg1">
-                  <a:alpha val="30000"/>
-                </a:schemeClr>
-              </a:gs>
-            </a:gsLst>
-            <a:lin ang="0" scaled="0"/>
-          </a:gradFill>
-          <a:ln>
-            <a:noFill/>
-          </a:ln>
-        </p:spPr>
-        <p:style>
-          <a:lnRef idx="2">
-            <a:schemeClr val="accent1">
-              <a:shade val="50000"/>
-            </a:schemeClr>
-          </a:lnRef>
-          <a:fillRef idx="1">
-            <a:schemeClr val="accent1"/>
-          </a:fillRef>
-          <a:effectRef idx="0">
-            <a:schemeClr val="accent1"/>
-          </a:effectRef>
-          <a:fontRef idx="minor">
-            <a:schemeClr val="lt1"/>
-          </a:fontRef>
-        </p:style>
-        <p:txBody>
-          <a:bodyPr wrap="square" rtlCol="0" anchor="ctr">
-            <a:noAutofit/>
-          </a:bodyPr>
-          <a:lstStyle/>
-          <a:p>
-            <a:pPr algn="ctr" rtl="0"/>
-            <a:endParaRPr lang="pt-BR" noProof="0" dirty="0"/>
-          </a:p>
-        </p:txBody>
-      </p:sp>
-      <p:sp>
-        <p:nvSpPr>
-          <p:cNvPr id="19" name="Forma Livre: Forma 18">
-            <a:extLst>
-              <a:ext uri="{FF2B5EF4-FFF2-40B4-BE49-F238E27FC236}">
-                <a16:creationId xmlns:a16="http://schemas.microsoft.com/office/drawing/2014/main" id="{6294759C-286C-4281-B194-581C766EEF28}"/>
-              </a:ext>
-            </a:extLst>
-          </p:cNvPr>
-          <p:cNvSpPr/>
-          <p:nvPr userDrawn="1"/>
-        </p:nvSpPr>
-        <p:spPr>
-          <a:xfrm rot="5400000">
-            <a:off x="9134700" y="3800700"/>
-            <a:ext cx="2514600" cy="3600000"/>
-          </a:xfrm>
-          <a:custGeom>
-            <a:avLst/>
-            <a:gdLst>
-              <a:gd name="connsiteX0" fmla="*/ 0 w 2514600"/>
-              <a:gd name="connsiteY0" fmla="*/ 180000 h 3600000"/>
-              <a:gd name="connsiteX1" fmla="*/ 0 w 2514600"/>
-              <a:gd name="connsiteY1" fmla="*/ 0 h 3600000"/>
-              <a:gd name="connsiteX2" fmla="*/ 2334600 w 2514600"/>
-              <a:gd name="connsiteY2" fmla="*/ 0 h 3600000"/>
-              <a:gd name="connsiteX3" fmla="*/ 2514600 w 2514600"/>
-              <a:gd name="connsiteY3" fmla="*/ 0 h 3600000"/>
-              <a:gd name="connsiteX4" fmla="*/ 2514600 w 2514600"/>
-              <a:gd name="connsiteY4" fmla="*/ 180000 h 3600000"/>
-              <a:gd name="connsiteX5" fmla="*/ 2514600 w 2514600"/>
-              <a:gd name="connsiteY5" fmla="*/ 3600000 h 3600000"/>
-              <a:gd name="connsiteX6" fmla="*/ 2334600 w 2514600"/>
-              <a:gd name="connsiteY6" fmla="*/ 3600000 h 3600000"/>
-              <a:gd name="connsiteX7" fmla="*/ 2334600 w 2514600"/>
-              <a:gd name="connsiteY7" fmla="*/ 180000 h 3600000"/>
-            </a:gdLst>
-            <a:ahLst/>
-            <a:cxnLst>
-              <a:cxn ang="0">
-                <a:pos x="connsiteX0" y="connsiteY0"/>
-              </a:cxn>
-              <a:cxn ang="0">
-                <a:pos x="connsiteX1" y="connsiteY1"/>
-              </a:cxn>
-              <a:cxn ang="0">
-                <a:pos x="connsiteX2" y="connsiteY2"/>
-              </a:cxn>
-              <a:cxn ang="0">
-                <a:pos x="connsiteX3" y="connsiteY3"/>
-              </a:cxn>
-              <a:cxn ang="0">
-                <a:pos x="connsiteX4" y="connsiteY4"/>
-              </a:cxn>
-              <a:cxn ang="0">
-                <a:pos x="connsiteX5" y="connsiteY5"/>
-              </a:cxn>
-              <a:cxn ang="0">
-                <a:pos x="connsiteX6" y="connsiteY6"/>
-              </a:cxn>
-              <a:cxn ang="0">
-                <a:pos x="connsiteX7" y="connsiteY7"/>
-              </a:cxn>
-            </a:cxnLst>
-            <a:rect l="l" t="t" r="r" b="b"/>
-            <a:pathLst>
-              <a:path w="2514600" h="3600000">
-                <a:moveTo>
-                  <a:pt x="0" y="180000"/>
-                </a:moveTo>
-                <a:lnTo>
-                  <a:pt x="0" y="0"/>
-                </a:lnTo>
-                <a:lnTo>
-                  <a:pt x="2334600" y="0"/>
-                </a:lnTo>
-                <a:lnTo>
-                  <a:pt x="2514600" y="0"/>
-                </a:lnTo>
-                <a:lnTo>
-                  <a:pt x="2514600" y="180000"/>
-                </a:lnTo>
-                <a:lnTo>
-                  <a:pt x="2514600" y="3600000"/>
-                </a:lnTo>
-                <a:lnTo>
-                  <a:pt x="2334600" y="3600000"/>
-                </a:lnTo>
-                <a:lnTo>
-                  <a:pt x="2334600" y="180000"/>
-                </a:lnTo>
-                <a:close/>
-              </a:path>
-            </a:pathLst>
-          </a:custGeom>
-          <a:solidFill>
-            <a:schemeClr val="tx1">
-              <a:lumMod val="50000"/>
-              <a:lumOff val="50000"/>
-              <a:alpha val="5000"/>
-            </a:schemeClr>
-          </a:solidFill>
-          <a:ln>
-            <a:noFill/>
-          </a:ln>
-        </p:spPr>
-        <p:style>
-          <a:lnRef idx="2">
-            <a:schemeClr val="accent1">
-              <a:shade val="50000"/>
-            </a:schemeClr>
-          </a:lnRef>
-          <a:fillRef idx="1">
-            <a:schemeClr val="accent1"/>
-          </a:fillRef>
-          <a:effectRef idx="0">
-            <a:schemeClr val="accent1"/>
-          </a:effectRef>
-          <a:fontRef idx="minor">
-            <a:schemeClr val="lt1"/>
-          </a:fontRef>
-        </p:style>
-        <p:txBody>
-          <a:bodyPr wrap="square" rtlCol="0" anchor="ctr">
-            <a:noAutofit/>
-          </a:bodyPr>
-          <a:lstStyle/>
-          <a:p>
-            <a:pPr algn="ctr" rtl="0"/>
-            <a:endParaRPr lang="pt-BR" noProof="0" dirty="0"/>
+            <a:endParaRPr lang="pt-BR" dirty="0"/>
           </a:p>
         </p:txBody>
       </p:sp>
     </p:spTree>
     <p:extLst>
       <p:ext uri="{BB962C8B-B14F-4D97-AF65-F5344CB8AC3E}">
-        <p14:creationId xmlns:p14="http://schemas.microsoft.com/office/powerpoint/2010/main" val="578943863"/>
+        <p14:creationId xmlns:p14="http://schemas.microsoft.com/office/powerpoint/2010/main" val="4047725454"/>
       </p:ext>
     </p:extLst>
   </p:cSld>
@@ -10528,13 +9915,13 @@
   <p:clrMapOvr>
     <a:masterClrMapping/>
   </p:clrMapOvr>
-  <mc:AlternateContent xmlns:mc="http://schemas.openxmlformats.org/markup-compatibility/2006">
-    <mc:Choice xmlns:p14="http://schemas.microsoft.com/office/powerpoint/2010/main" Requires="p14">
+  <mc:AlternateContent xmlns:mc="http://schemas.openxmlformats.org/markup-compatibility/2006" xmlns:p14="http://schemas.microsoft.com/office/powerpoint/2010/main">
+    <mc:Choice Requires="p14">
       <p:transition spd="med" p14:dur="700">
         <p:fade/>
       </p:transition>
     </mc:Choice>
-    <mc:Fallback>
+    <mc:Fallback xmlns="">
       <p:transition spd="med">
         <p:fade/>
       </p:transition>
@@ -11839,13 +11226,13 @@
   <p:clrMapOvr>
     <a:masterClrMapping/>
   </p:clrMapOvr>
-  <mc:AlternateContent xmlns:mc="http://schemas.openxmlformats.org/markup-compatibility/2006">
-    <mc:Choice xmlns:p14="http://schemas.microsoft.com/office/powerpoint/2010/main" Requires="p14">
+  <mc:AlternateContent xmlns:mc="http://schemas.openxmlformats.org/markup-compatibility/2006" xmlns:p14="http://schemas.microsoft.com/office/powerpoint/2010/main">
+    <mc:Choice Requires="p14">
       <p:transition spd="med" p14:dur="700">
         <p:fade/>
       </p:transition>
     </mc:Choice>
-    <mc:Fallback>
+    <mc:Fallback xmlns="">
       <p:transition spd="med">
         <p:fade/>
       </p:transition>
@@ -12547,13 +11934,13 @@
   <p:clrMapOvr>
     <a:masterClrMapping/>
   </p:clrMapOvr>
-  <mc:AlternateContent xmlns:mc="http://schemas.openxmlformats.org/markup-compatibility/2006">
-    <mc:Choice xmlns:p14="http://schemas.microsoft.com/office/powerpoint/2010/main" Requires="p14">
+  <mc:AlternateContent xmlns:mc="http://schemas.openxmlformats.org/markup-compatibility/2006" xmlns:p14="http://schemas.microsoft.com/office/powerpoint/2010/main">
+    <mc:Choice Requires="p14">
       <p:transition spd="med" p14:dur="700">
         <p:fade/>
       </p:transition>
     </mc:Choice>
-    <mc:Fallback>
+    <mc:Fallback xmlns="">
       <p:transition spd="med">
         <p:fade/>
       </p:transition>
@@ -13063,13 +12450,13 @@
   <p:clrMapOvr>
     <a:masterClrMapping/>
   </p:clrMapOvr>
-  <mc:AlternateContent xmlns:mc="http://schemas.openxmlformats.org/markup-compatibility/2006">
-    <mc:Choice xmlns:p14="http://schemas.microsoft.com/office/powerpoint/2010/main" Requires="p14">
+  <mc:AlternateContent xmlns:mc="http://schemas.openxmlformats.org/markup-compatibility/2006" xmlns:p14="http://schemas.microsoft.com/office/powerpoint/2010/main">
+    <mc:Choice Requires="p14">
       <p:transition spd="med" p14:dur="700">
         <p:fade/>
       </p:transition>
     </mc:Choice>
-    <mc:Fallback>
+    <mc:Fallback xmlns="">
       <p:transition spd="med">
         <p:fade/>
       </p:transition>
@@ -13284,7 +12671,7 @@
     <p:sldLayoutId id="2147483670" r:id="rId2"/>
     <p:sldLayoutId id="2147483671" r:id="rId3"/>
     <p:sldLayoutId id="2147483672" r:id="rId4"/>
-    <p:sldLayoutId id="2147483661" r:id="rId5"/>
+    <p:sldLayoutId id="2147483673" r:id="rId5"/>
     <p:sldLayoutId id="2147483662" r:id="rId6"/>
     <p:sldLayoutId id="2147483663" r:id="rId7"/>
     <p:sldLayoutId id="2147483664" r:id="rId8"/>
@@ -13295,13 +12682,13 @@
     <p:sldLayoutId id="2147483650" r:id="rId13"/>
     <p:sldLayoutId id="2147483669" r:id="rId14"/>
   </p:sldLayoutIdLst>
-  <mc:AlternateContent xmlns:mc="http://schemas.openxmlformats.org/markup-compatibility/2006">
-    <mc:Choice xmlns:p14="http://schemas.microsoft.com/office/powerpoint/2010/main" Requires="p14">
+  <mc:AlternateContent xmlns:mc="http://schemas.openxmlformats.org/markup-compatibility/2006" xmlns:p14="http://schemas.microsoft.com/office/powerpoint/2010/main">
+    <mc:Choice Requires="p14">
       <p:transition spd="med" p14:dur="700">
         <p:fade/>
       </p:transition>
     </mc:Choice>
-    <mc:Fallback>
+    <mc:Fallback xmlns="">
       <p:transition spd="med">
         <p:fade/>
       </p:transition>
@@ -14634,13 +14021,192 @@
   <p:clrMapOvr>
     <a:masterClrMapping/>
   </p:clrMapOvr>
-  <mc:AlternateContent xmlns:mc="http://schemas.openxmlformats.org/markup-compatibility/2006">
-    <mc:Choice xmlns:p14="http://schemas.microsoft.com/office/powerpoint/2010/main" Requires="p14">
+  <mc:AlternateContent xmlns:mc="http://schemas.openxmlformats.org/markup-compatibility/2006" xmlns:p14="http://schemas.microsoft.com/office/powerpoint/2010/main">
+    <mc:Choice Requires="p14">
       <p:transition spd="med" p14:dur="700">
         <p:fade/>
       </p:transition>
     </mc:Choice>
-    <mc:Fallback>
+    <mc:Fallback xmlns="">
+      <p:transition spd="med">
+        <p:fade/>
+      </p:transition>
+    </mc:Fallback>
+  </mc:AlternateContent>
+</p:sld>
+</file>
+
+<file path=ppt/slides/slide10.xml><?xml version="1.0" encoding="utf-8"?>
+<p:sld xmlns:a="http://schemas.openxmlformats.org/drawingml/2006/main" xmlns:r="http://schemas.openxmlformats.org/officeDocument/2006/relationships" xmlns:p="http://schemas.openxmlformats.org/presentationml/2006/main">
+  <p:cSld>
+    <p:spTree>
+      <p:nvGrpSpPr>
+        <p:cNvPr id="1" name=""/>
+        <p:cNvGrpSpPr/>
+        <p:nvPr/>
+      </p:nvGrpSpPr>
+      <p:grpSpPr>
+        <a:xfrm>
+          <a:off x="0" y="0"/>
+          <a:ext cx="0" cy="0"/>
+          <a:chOff x="0" y="0"/>
+          <a:chExt cx="0" cy="0"/>
+        </a:xfrm>
+      </p:grpSpPr>
+      <p:sp>
+        <p:nvSpPr>
+          <p:cNvPr id="2" name="Título 1">
+            <a:extLst>
+              <a:ext uri="{FF2B5EF4-FFF2-40B4-BE49-F238E27FC236}">
+                <a16:creationId xmlns:a16="http://schemas.microsoft.com/office/drawing/2014/main" id="{A3F97241-253F-99C9-1448-1BF5C68E5C9F}"/>
+              </a:ext>
+            </a:extLst>
+          </p:cNvPr>
+          <p:cNvSpPr>
+            <a:spLocks noGrp="1"/>
+          </p:cNvSpPr>
+          <p:nvPr>
+            <p:ph type="title"/>
+          </p:nvPr>
+        </p:nvSpPr>
+        <p:spPr/>
+        <p:txBody>
+          <a:bodyPr/>
+          <a:lstStyle/>
+          <a:p>
+            <a:r>
+              <a:rPr lang="pt-BR" dirty="0"/>
+              <a:t>Manual de Intervenções MI-</a:t>
+            </a:r>
+            <a:r>
+              <a:rPr lang="pt-BR" dirty="0" err="1"/>
+              <a:t>mhGAP</a:t>
+            </a:r>
+            <a:r>
+              <a:rPr lang="pt-BR" dirty="0"/>
+              <a:t> Versão 2.0</a:t>
+            </a:r>
+          </a:p>
+        </p:txBody>
+      </p:sp>
+      <p:sp>
+        <p:nvSpPr>
+          <p:cNvPr id="3" name="Espaço Reservado para Texto 2">
+            <a:extLst>
+              <a:ext uri="{FF2B5EF4-FFF2-40B4-BE49-F238E27FC236}">
+                <a16:creationId xmlns:a16="http://schemas.microsoft.com/office/drawing/2014/main" id="{F9DEB9F9-AD48-61D3-0F66-528E7BB3A9DF}"/>
+              </a:ext>
+            </a:extLst>
+          </p:cNvPr>
+          <p:cNvSpPr>
+            <a:spLocks noGrp="1"/>
+          </p:cNvSpPr>
+          <p:nvPr>
+            <p:ph type="body" sz="quarter" idx="4294967295"/>
+          </p:nvPr>
+        </p:nvSpPr>
+        <p:spPr>
+          <a:xfrm>
+            <a:off x="673100" y="1860913"/>
+            <a:ext cx="11242675" cy="1430338"/>
+          </a:xfrm>
+        </p:spPr>
+        <p:txBody>
+          <a:bodyPr/>
+          <a:lstStyle/>
+          <a:p>
+            <a:r>
+              <a:rPr lang="pt-BR" sz="2000" dirty="0"/>
+              <a:t>Guia com orientações baseadas em evidências e organizado em diagramas e fluxogramas que permitem ao profissional não especialista diagnosticar e tratar transtornos mentais considerados prioritários (com base nos critérios de mortalidade, morbidade e incapacidade). O MI-</a:t>
+            </a:r>
+            <a:r>
+              <a:rPr lang="pt-BR" sz="2000" dirty="0" err="1"/>
+              <a:t>mhGAP</a:t>
+            </a:r>
+            <a:r>
+              <a:rPr lang="pt-BR" sz="2000" dirty="0"/>
+              <a:t> (Versão 2.0) organizados com as seguintes abordagens:</a:t>
+            </a:r>
+          </a:p>
+        </p:txBody>
+      </p:sp>
+      <p:graphicFrame>
+        <p:nvGraphicFramePr>
+          <p:cNvPr id="8" name="Espaço Reservado para SmartArt 7">
+            <a:extLst>
+              <a:ext uri="{FF2B5EF4-FFF2-40B4-BE49-F238E27FC236}">
+                <a16:creationId xmlns:a16="http://schemas.microsoft.com/office/drawing/2014/main" id="{89E5A301-DC0B-54C0-FF44-CFCD56033CA7}"/>
+              </a:ext>
+            </a:extLst>
+          </p:cNvPr>
+          <p:cNvGraphicFramePr>
+            <a:graphicFrameLocks noGrp="1"/>
+          </p:cNvGraphicFramePr>
+          <p:nvPr>
+            <p:ph type="dgm" sz="quarter" idx="4294967295"/>
+            <p:extLst>
+              <p:ext uri="{D42A27DB-BD31-4B8C-83A1-F6EECF244321}">
+                <p14:modId xmlns:p14="http://schemas.microsoft.com/office/powerpoint/2010/main" val="3752808251"/>
+              </p:ext>
+            </p:extLst>
+          </p:nvPr>
+        </p:nvGraphicFramePr>
+        <p:xfrm>
+          <a:off x="673100" y="3552825"/>
+          <a:ext cx="7151688" cy="2992438"/>
+        </p:xfrm>
+        <a:graphic>
+          <a:graphicData uri="http://schemas.openxmlformats.org/drawingml/2006/diagram">
+            <dgm:relIds xmlns:dgm="http://schemas.openxmlformats.org/drawingml/2006/diagram" xmlns:r="http://schemas.openxmlformats.org/officeDocument/2006/relationships" r:dm="rId2" r:lo="rId3" r:qs="rId4" r:cs="rId5"/>
+          </a:graphicData>
+        </a:graphic>
+      </p:graphicFrame>
+      <p:pic>
+        <p:nvPicPr>
+          <p:cNvPr id="9" name="Imagem 8">
+            <a:extLst>
+              <a:ext uri="{FF2B5EF4-FFF2-40B4-BE49-F238E27FC236}">
+                <a16:creationId xmlns:a16="http://schemas.microsoft.com/office/drawing/2014/main" id="{0ADAEF28-8DDE-2BEF-F88C-BA98A141F7EF}"/>
+              </a:ext>
+            </a:extLst>
+          </p:cNvPr>
+          <p:cNvPicPr>
+            <a:picLocks noChangeAspect="1"/>
+          </p:cNvPicPr>
+          <p:nvPr/>
+        </p:nvPicPr>
+        <p:blipFill rotWithShape="1">
+          <a:blip r:embed="rId7"/>
+          <a:srcRect l="22065" t="20482" r="23478" b="6851"/>
+          <a:stretch/>
+        </p:blipFill>
+        <p:spPr>
+          <a:xfrm>
+            <a:off x="8059738" y="3552825"/>
+            <a:ext cx="3856037" cy="2992437"/>
+          </a:xfrm>
+          <a:prstGeom prst="rect">
+            <a:avLst/>
+          </a:prstGeom>
+        </p:spPr>
+      </p:pic>
+    </p:spTree>
+    <p:extLst>
+      <p:ext uri="{BB962C8B-B14F-4D97-AF65-F5344CB8AC3E}">
+        <p14:creationId xmlns:p14="http://schemas.microsoft.com/office/powerpoint/2010/main" val="1023012816"/>
+      </p:ext>
+    </p:extLst>
+  </p:cSld>
+  <p:clrMapOvr>
+    <a:masterClrMapping/>
+  </p:clrMapOvr>
+  <mc:AlternateContent xmlns:mc="http://schemas.openxmlformats.org/markup-compatibility/2006" xmlns:p14="http://schemas.microsoft.com/office/powerpoint/2010/main">
+    <mc:Choice Requires="p14">
+      <p:transition spd="med" p14:dur="700">
+        <p:fade/>
+      </p:transition>
+    </mc:Choice>
+    <mc:Fallback xmlns="">
       <p:transition spd="med">
         <p:fade/>
       </p:transition>
@@ -14764,13 +14330,13 @@
   <p:clrMapOvr>
     <a:masterClrMapping/>
   </p:clrMapOvr>
-  <mc:AlternateContent xmlns:mc="http://schemas.openxmlformats.org/markup-compatibility/2006">
-    <mc:Choice xmlns:p14="http://schemas.microsoft.com/office/powerpoint/2010/main" Requires="p14">
+  <mc:AlternateContent xmlns:mc="http://schemas.openxmlformats.org/markup-compatibility/2006" xmlns:p14="http://schemas.microsoft.com/office/powerpoint/2010/main">
+    <mc:Choice Requires="p14">
       <p:transition spd="med" p14:dur="700">
         <p:fade/>
       </p:transition>
     </mc:Choice>
-    <mc:Fallback>
+    <mc:Fallback xmlns="">
       <p:transition spd="med">
         <p:fade/>
       </p:transition>
@@ -14883,6 +14449,138 @@
   <p:clrMapOvr>
     <a:masterClrMapping/>
   </p:clrMapOvr>
+  <mc:AlternateContent xmlns:mc="http://schemas.openxmlformats.org/markup-compatibility/2006" xmlns:p14="http://schemas.microsoft.com/office/powerpoint/2010/main">
+    <mc:Choice Requires="p14">
+      <p:transition spd="med" p14:dur="700">
+        <p:fade/>
+      </p:transition>
+    </mc:Choice>
+    <mc:Fallback xmlns="">
+      <p:transition spd="med">
+        <p:fade/>
+      </p:transition>
+    </mc:Fallback>
+  </mc:AlternateContent>
+</p:sld>
+</file>
+
+<file path=ppt/slides/slide4.xml><?xml version="1.0" encoding="utf-8"?>
+<p:sld xmlns:a="http://schemas.openxmlformats.org/drawingml/2006/main" xmlns:r="http://schemas.openxmlformats.org/officeDocument/2006/relationships" xmlns:p="http://schemas.openxmlformats.org/presentationml/2006/main">
+  <p:cSld>
+    <p:spTree>
+      <p:nvGrpSpPr>
+        <p:cNvPr id="1" name=""/>
+        <p:cNvGrpSpPr/>
+        <p:nvPr/>
+      </p:nvGrpSpPr>
+      <p:grpSpPr>
+        <a:xfrm>
+          <a:off x="0" y="0"/>
+          <a:ext cx="0" cy="0"/>
+          <a:chOff x="0" y="0"/>
+          <a:chExt cx="0" cy="0"/>
+        </a:xfrm>
+      </p:grpSpPr>
+      <p:sp>
+        <p:nvSpPr>
+          <p:cNvPr id="2" name="Título 1">
+            <a:extLst>
+              <a:ext uri="{FF2B5EF4-FFF2-40B4-BE49-F238E27FC236}">
+                <a16:creationId xmlns:a16="http://schemas.microsoft.com/office/drawing/2014/main" id="{FFF8DC0D-CBB5-E6CD-C5BE-BAAF3F737024}"/>
+              </a:ext>
+            </a:extLst>
+          </p:cNvPr>
+          <p:cNvSpPr>
+            <a:spLocks noGrp="1"/>
+          </p:cNvSpPr>
+          <p:nvPr>
+            <p:ph type="title"/>
+          </p:nvPr>
+        </p:nvSpPr>
+        <p:spPr/>
+        <p:txBody>
+          <a:bodyPr/>
+          <a:lstStyle/>
+          <a:p>
+            <a:r>
+              <a:rPr lang="pt-BR" dirty="0"/>
+              <a:t>LACUNA EM SAÚDE MENTAL</a:t>
+            </a:r>
+          </a:p>
+        </p:txBody>
+      </p:sp>
+      <p:pic>
+        <p:nvPicPr>
+          <p:cNvPr id="6" name="Espaço Reservado para Imagem 5">
+            <a:extLst>
+              <a:ext uri="{FF2B5EF4-FFF2-40B4-BE49-F238E27FC236}">
+                <a16:creationId xmlns:a16="http://schemas.microsoft.com/office/drawing/2014/main" id="{036A5106-BC6A-600F-A5D2-65D889006A60}"/>
+              </a:ext>
+            </a:extLst>
+          </p:cNvPr>
+          <p:cNvPicPr>
+            <a:picLocks noGrp="1" noChangeAspect="1"/>
+          </p:cNvPicPr>
+          <p:nvPr>
+            <p:ph type="pic" sz="quarter" idx="13"/>
+          </p:nvPr>
+        </p:nvPicPr>
+        <p:blipFill>
+          <a:blip r:embed="rId2">
+            <a:extLst>
+              <a:ext uri="{28A0092B-C50C-407E-A947-70E740481C1C}">
+                <a14:useLocalDpi xmlns:a14="http://schemas.microsoft.com/office/drawing/2010/main" val="0"/>
+              </a:ext>
+            </a:extLst>
+          </a:blip>
+          <a:srcRect/>
+          <a:stretch>
+            <a:fillRect/>
+          </a:stretch>
+        </p:blipFill>
+        <p:spPr/>
+      </p:pic>
+      <p:pic>
+        <p:nvPicPr>
+          <p:cNvPr id="8" name="Espaço Reservado para Imagem 7">
+            <a:extLst>
+              <a:ext uri="{FF2B5EF4-FFF2-40B4-BE49-F238E27FC236}">
+                <a16:creationId xmlns:a16="http://schemas.microsoft.com/office/drawing/2014/main" id="{8B0D0EEC-9197-B6E3-3B30-7450D3A771FB}"/>
+              </a:ext>
+            </a:extLst>
+          </p:cNvPr>
+          <p:cNvPicPr>
+            <a:picLocks noGrp="1" noChangeAspect="1"/>
+          </p:cNvPicPr>
+          <p:nvPr>
+            <p:ph type="pic" sz="quarter" idx="14"/>
+          </p:nvPr>
+        </p:nvPicPr>
+        <p:blipFill>
+          <a:blip r:embed="rId3">
+            <a:extLst>
+              <a:ext uri="{28A0092B-C50C-407E-A947-70E740481C1C}">
+                <a14:useLocalDpi xmlns:a14="http://schemas.microsoft.com/office/drawing/2010/main" val="0"/>
+              </a:ext>
+            </a:extLst>
+          </a:blip>
+          <a:srcRect/>
+          <a:stretch>
+            <a:fillRect/>
+          </a:stretch>
+        </p:blipFill>
+        <p:spPr/>
+      </p:pic>
+    </p:spTree>
+    <p:extLst>
+      <p:ext uri="{BB962C8B-B14F-4D97-AF65-F5344CB8AC3E}">
+        <p14:creationId xmlns:p14="http://schemas.microsoft.com/office/powerpoint/2010/main" val="3702246705"/>
+      </p:ext>
+    </p:extLst>
+  </p:cSld>
+  <p:clrMapOvr>
+    <a:masterClrMapping/>
+  </p:clrMapOvr>
   <mc:AlternateContent xmlns:mc="http://schemas.openxmlformats.org/markup-compatibility/2006">
     <mc:Choice xmlns:p14="http://schemas.microsoft.com/office/powerpoint/2010/main" Requires="p14">
       <p:transition spd="med" p14:dur="700">
@@ -14898,7 +14596,99 @@
 </p:sld>
 </file>
 
-<file path=ppt/slides/slide4.xml><?xml version="1.0" encoding="utf-8"?>
+<file path=ppt/slides/slide5.xml><?xml version="1.0" encoding="utf-8"?>
+<p:sld xmlns:a="http://schemas.openxmlformats.org/drawingml/2006/main" xmlns:r="http://schemas.openxmlformats.org/officeDocument/2006/relationships" xmlns:p="http://schemas.openxmlformats.org/presentationml/2006/main">
+  <p:cSld>
+    <p:spTree>
+      <p:nvGrpSpPr>
+        <p:cNvPr id="1" name=""/>
+        <p:cNvGrpSpPr/>
+        <p:nvPr/>
+      </p:nvGrpSpPr>
+      <p:grpSpPr>
+        <a:xfrm>
+          <a:off x="0" y="0"/>
+          <a:ext cx="0" cy="0"/>
+          <a:chOff x="0" y="0"/>
+          <a:chExt cx="0" cy="0"/>
+        </a:xfrm>
+      </p:grpSpPr>
+      <p:sp>
+        <p:nvSpPr>
+          <p:cNvPr id="2" name="Título 1">
+            <a:extLst>
+              <a:ext uri="{FF2B5EF4-FFF2-40B4-BE49-F238E27FC236}">
+                <a16:creationId xmlns:a16="http://schemas.microsoft.com/office/drawing/2014/main" id="{EFADF86B-3B09-B721-F1A6-8D28DBEE7777}"/>
+              </a:ext>
+            </a:extLst>
+          </p:cNvPr>
+          <p:cNvSpPr>
+            <a:spLocks noGrp="1"/>
+          </p:cNvSpPr>
+          <p:nvPr>
+            <p:ph type="title"/>
+          </p:nvPr>
+        </p:nvSpPr>
+        <p:spPr/>
+        <p:txBody>
+          <a:bodyPr/>
+          <a:lstStyle/>
+          <a:p>
+            <a:endParaRPr lang="pt-BR"/>
+          </a:p>
+        </p:txBody>
+      </p:sp>
+      <p:sp>
+        <p:nvSpPr>
+          <p:cNvPr id="3" name="Espaço Reservado para Conteúdo 2">
+            <a:extLst>
+              <a:ext uri="{FF2B5EF4-FFF2-40B4-BE49-F238E27FC236}">
+                <a16:creationId xmlns:a16="http://schemas.microsoft.com/office/drawing/2014/main" id="{088A4A15-9065-233B-2DD3-028F963FAF70}"/>
+              </a:ext>
+            </a:extLst>
+          </p:cNvPr>
+          <p:cNvSpPr>
+            <a:spLocks noGrp="1"/>
+          </p:cNvSpPr>
+          <p:nvPr>
+            <p:ph sz="quarter" idx="10"/>
+          </p:nvPr>
+        </p:nvSpPr>
+        <p:spPr/>
+        <p:txBody>
+          <a:bodyPr/>
+          <a:lstStyle/>
+          <a:p>
+            <a:endParaRPr lang="pt-BR"/>
+          </a:p>
+        </p:txBody>
+      </p:sp>
+    </p:spTree>
+    <p:extLst>
+      <p:ext uri="{BB962C8B-B14F-4D97-AF65-F5344CB8AC3E}">
+        <p14:creationId xmlns:p14="http://schemas.microsoft.com/office/powerpoint/2010/main" val="4280073174"/>
+      </p:ext>
+    </p:extLst>
+  </p:cSld>
+  <p:clrMapOvr>
+    <a:masterClrMapping/>
+  </p:clrMapOvr>
+  <mc:AlternateContent xmlns:mc="http://schemas.openxmlformats.org/markup-compatibility/2006" xmlns:p14="http://schemas.microsoft.com/office/powerpoint/2010/main">
+    <mc:Choice Requires="p14">
+      <p:transition spd="med" p14:dur="700">
+        <p:fade/>
+      </p:transition>
+    </mc:Choice>
+    <mc:Fallback xmlns="">
+      <p:transition spd="med">
+        <p:fade/>
+      </p:transition>
+    </mc:Fallback>
+  </mc:AlternateContent>
+</p:sld>
+</file>
+
+<file path=ppt/slides/slide6.xml><?xml version="1.0" encoding="utf-8"?>
 <p:sld xmlns:a="http://schemas.openxmlformats.org/drawingml/2006/main" xmlns:r="http://schemas.openxmlformats.org/officeDocument/2006/relationships" xmlns:p="http://schemas.openxmlformats.org/presentationml/2006/main">
   <p:cSld>
     <p:spTree>
@@ -15007,13 +14797,13 @@
   <p:clrMapOvr>
     <a:masterClrMapping/>
   </p:clrMapOvr>
-  <mc:AlternateContent xmlns:mc="http://schemas.openxmlformats.org/markup-compatibility/2006">
-    <mc:Choice xmlns:p14="http://schemas.microsoft.com/office/powerpoint/2010/main" Requires="p14">
+  <mc:AlternateContent xmlns:mc="http://schemas.openxmlformats.org/markup-compatibility/2006" xmlns:p14="http://schemas.microsoft.com/office/powerpoint/2010/main">
+    <mc:Choice Requires="p14">
       <p:transition spd="med" p14:dur="700">
         <p:fade/>
       </p:transition>
     </mc:Choice>
-    <mc:Fallback>
+    <mc:Fallback xmlns="">
       <p:transition spd="med">
         <p:fade/>
       </p:transition>
@@ -15105,7 +14895,7 @@
 </p:sld>
 </file>
 
-<file path=ppt/slides/slide5.xml><?xml version="1.0" encoding="utf-8"?>
+<file path=ppt/slides/slide7.xml><?xml version="1.0" encoding="utf-8"?>
 <p:sld xmlns:a="http://schemas.openxmlformats.org/drawingml/2006/main" xmlns:r="http://schemas.openxmlformats.org/officeDocument/2006/relationships" xmlns:p="http://schemas.openxmlformats.org/presentationml/2006/main">
   <p:cSld>
     <p:spTree>
@@ -15226,13 +15016,13 @@
   <p:clrMapOvr>
     <a:masterClrMapping/>
   </p:clrMapOvr>
-  <mc:AlternateContent xmlns:mc="http://schemas.openxmlformats.org/markup-compatibility/2006">
-    <mc:Choice xmlns:p14="http://schemas.microsoft.com/office/powerpoint/2010/main" Requires="p14">
+  <mc:AlternateContent xmlns:mc="http://schemas.openxmlformats.org/markup-compatibility/2006" xmlns:p14="http://schemas.microsoft.com/office/powerpoint/2010/main">
+    <mc:Choice Requires="p14">
       <p:transition spd="med" p14:dur="700">
         <p:fade/>
       </p:transition>
     </mc:Choice>
-    <mc:Fallback>
+    <mc:Fallback xmlns="">
       <p:transition spd="med">
         <p:fade/>
       </p:transition>
@@ -15241,7 +15031,7 @@
 </p:sld>
 </file>
 
-<file path=ppt/slides/slide6.xml><?xml version="1.0" encoding="utf-8"?>
+<file path=ppt/slides/slide8.xml><?xml version="1.0" encoding="utf-8"?>
 <p:sld xmlns:a="http://schemas.openxmlformats.org/drawingml/2006/main" xmlns:r="http://schemas.openxmlformats.org/officeDocument/2006/relationships" xmlns:p="http://schemas.openxmlformats.org/presentationml/2006/main">
   <p:cSld>
     <p:spTree>
@@ -15369,13 +15159,13 @@
   <p:clrMapOvr>
     <a:masterClrMapping/>
   </p:clrMapOvr>
-  <mc:AlternateContent xmlns:mc="http://schemas.openxmlformats.org/markup-compatibility/2006">
-    <mc:Choice xmlns:p14="http://schemas.microsoft.com/office/powerpoint/2010/main" Requires="p14">
+  <mc:AlternateContent xmlns:mc="http://schemas.openxmlformats.org/markup-compatibility/2006" xmlns:p14="http://schemas.microsoft.com/office/powerpoint/2010/main">
+    <mc:Choice Requires="p14">
       <p:transition spd="med" p14:dur="700">
         <p:fade/>
       </p:transition>
     </mc:Choice>
-    <mc:Fallback>
+    <mc:Fallback xmlns="">
       <p:transition spd="med">
         <p:fade/>
       </p:transition>
@@ -15384,7 +15174,7 @@
 </p:sld>
 </file>
 
-<file path=ppt/slides/slide7.xml><?xml version="1.0" encoding="utf-8"?>
+<file path=ppt/slides/slide9.xml><?xml version="1.0" encoding="utf-8"?>
 <p:sld xmlns:a="http://schemas.openxmlformats.org/drawingml/2006/main" xmlns:r="http://schemas.openxmlformats.org/officeDocument/2006/relationships" xmlns:p="http://schemas.openxmlformats.org/presentationml/2006/main">
   <p:cSld>
     <p:spTree>
@@ -15508,192 +15298,13 @@
   <p:clrMapOvr>
     <a:masterClrMapping/>
   </p:clrMapOvr>
-  <mc:AlternateContent xmlns:mc="http://schemas.openxmlformats.org/markup-compatibility/2006">
-    <mc:Choice xmlns:p14="http://schemas.microsoft.com/office/powerpoint/2010/main" Requires="p14">
+  <mc:AlternateContent xmlns:mc="http://schemas.openxmlformats.org/markup-compatibility/2006" xmlns:p14="http://schemas.microsoft.com/office/powerpoint/2010/main">
+    <mc:Choice Requires="p14">
       <p:transition spd="med" p14:dur="700">
         <p:fade/>
       </p:transition>
     </mc:Choice>
-    <mc:Fallback>
-      <p:transition spd="med">
-        <p:fade/>
-      </p:transition>
-    </mc:Fallback>
-  </mc:AlternateContent>
-</p:sld>
-</file>
-
-<file path=ppt/slides/slide8.xml><?xml version="1.0" encoding="utf-8"?>
-<p:sld xmlns:a="http://schemas.openxmlformats.org/drawingml/2006/main" xmlns:r="http://schemas.openxmlformats.org/officeDocument/2006/relationships" xmlns:p="http://schemas.openxmlformats.org/presentationml/2006/main">
-  <p:cSld>
-    <p:spTree>
-      <p:nvGrpSpPr>
-        <p:cNvPr id="1" name=""/>
-        <p:cNvGrpSpPr/>
-        <p:nvPr/>
-      </p:nvGrpSpPr>
-      <p:grpSpPr>
-        <a:xfrm>
-          <a:off x="0" y="0"/>
-          <a:ext cx="0" cy="0"/>
-          <a:chOff x="0" y="0"/>
-          <a:chExt cx="0" cy="0"/>
-        </a:xfrm>
-      </p:grpSpPr>
-      <p:sp>
-        <p:nvSpPr>
-          <p:cNvPr id="2" name="Título 1">
-            <a:extLst>
-              <a:ext uri="{FF2B5EF4-FFF2-40B4-BE49-F238E27FC236}">
-                <a16:creationId xmlns:a16="http://schemas.microsoft.com/office/drawing/2014/main" id="{A3F97241-253F-99C9-1448-1BF5C68E5C9F}"/>
-              </a:ext>
-            </a:extLst>
-          </p:cNvPr>
-          <p:cNvSpPr>
-            <a:spLocks noGrp="1"/>
-          </p:cNvSpPr>
-          <p:nvPr>
-            <p:ph type="title"/>
-          </p:nvPr>
-        </p:nvSpPr>
-        <p:spPr/>
-        <p:txBody>
-          <a:bodyPr/>
-          <a:lstStyle/>
-          <a:p>
-            <a:r>
-              <a:rPr lang="pt-BR" dirty="0"/>
-              <a:t>Manual de Intervenções MI-</a:t>
-            </a:r>
-            <a:r>
-              <a:rPr lang="pt-BR" dirty="0" err="1"/>
-              <a:t>mhGAP</a:t>
-            </a:r>
-            <a:r>
-              <a:rPr lang="pt-BR" dirty="0"/>
-              <a:t> Versão 2.0</a:t>
-            </a:r>
-          </a:p>
-        </p:txBody>
-      </p:sp>
-      <p:sp>
-        <p:nvSpPr>
-          <p:cNvPr id="3" name="Espaço Reservado para Texto 2">
-            <a:extLst>
-              <a:ext uri="{FF2B5EF4-FFF2-40B4-BE49-F238E27FC236}">
-                <a16:creationId xmlns:a16="http://schemas.microsoft.com/office/drawing/2014/main" id="{F9DEB9F9-AD48-61D3-0F66-528E7BB3A9DF}"/>
-              </a:ext>
-            </a:extLst>
-          </p:cNvPr>
-          <p:cNvSpPr>
-            <a:spLocks noGrp="1"/>
-          </p:cNvSpPr>
-          <p:nvPr>
-            <p:ph type="body" sz="quarter" idx="4294967295"/>
-          </p:nvPr>
-        </p:nvSpPr>
-        <p:spPr>
-          <a:xfrm>
-            <a:off x="673100" y="1860913"/>
-            <a:ext cx="11242675" cy="1430338"/>
-          </a:xfrm>
-        </p:spPr>
-        <p:txBody>
-          <a:bodyPr/>
-          <a:lstStyle/>
-          <a:p>
-            <a:r>
-              <a:rPr lang="pt-BR" sz="2000" dirty="0"/>
-              <a:t>Guia com orientações baseadas em evidências e organizado em diagramas e fluxogramas que permitem ao profissional não especialista diagnosticar e tratar transtornos mentais considerados prioritários (com base nos critérios de mortalidade, morbidade e incapacidade). O MI-</a:t>
-            </a:r>
-            <a:r>
-              <a:rPr lang="pt-BR" sz="2000" dirty="0" err="1"/>
-              <a:t>mhGAP</a:t>
-            </a:r>
-            <a:r>
-              <a:rPr lang="pt-BR" sz="2000" dirty="0"/>
-              <a:t> (Versão 2.0) organizados com as seguintes abordagens:</a:t>
-            </a:r>
-          </a:p>
-        </p:txBody>
-      </p:sp>
-      <p:graphicFrame>
-        <p:nvGraphicFramePr>
-          <p:cNvPr id="8" name="Espaço Reservado para SmartArt 7">
-            <a:extLst>
-              <a:ext uri="{FF2B5EF4-FFF2-40B4-BE49-F238E27FC236}">
-                <a16:creationId xmlns:a16="http://schemas.microsoft.com/office/drawing/2014/main" id="{89E5A301-DC0B-54C0-FF44-CFCD56033CA7}"/>
-              </a:ext>
-            </a:extLst>
-          </p:cNvPr>
-          <p:cNvGraphicFramePr>
-            <a:graphicFrameLocks noGrp="1"/>
-          </p:cNvGraphicFramePr>
-          <p:nvPr>
-            <p:ph type="dgm" sz="quarter" idx="4294967295"/>
-            <p:extLst>
-              <p:ext uri="{D42A27DB-BD31-4B8C-83A1-F6EECF244321}">
-                <p14:modId xmlns:p14="http://schemas.microsoft.com/office/powerpoint/2010/main" val="3752808251"/>
-              </p:ext>
-            </p:extLst>
-          </p:nvPr>
-        </p:nvGraphicFramePr>
-        <p:xfrm>
-          <a:off x="673100" y="3552825"/>
-          <a:ext cx="7151688" cy="2992438"/>
-        </p:xfrm>
-        <a:graphic>
-          <a:graphicData uri="http://schemas.openxmlformats.org/drawingml/2006/diagram">
-            <dgm:relIds xmlns:dgm="http://schemas.openxmlformats.org/drawingml/2006/diagram" xmlns:r="http://schemas.openxmlformats.org/officeDocument/2006/relationships" r:dm="rId2" r:lo="rId3" r:qs="rId4" r:cs="rId5"/>
-          </a:graphicData>
-        </a:graphic>
-      </p:graphicFrame>
-      <p:pic>
-        <p:nvPicPr>
-          <p:cNvPr id="9" name="Imagem 8">
-            <a:extLst>
-              <a:ext uri="{FF2B5EF4-FFF2-40B4-BE49-F238E27FC236}">
-                <a16:creationId xmlns:a16="http://schemas.microsoft.com/office/drawing/2014/main" id="{0ADAEF28-8DDE-2BEF-F88C-BA98A141F7EF}"/>
-              </a:ext>
-            </a:extLst>
-          </p:cNvPr>
-          <p:cNvPicPr>
-            <a:picLocks noChangeAspect="1"/>
-          </p:cNvPicPr>
-          <p:nvPr/>
-        </p:nvPicPr>
-        <p:blipFill rotWithShape="1">
-          <a:blip r:embed="rId7"/>
-          <a:srcRect l="22065" t="20482" r="23478" b="6851"/>
-          <a:stretch/>
-        </p:blipFill>
-        <p:spPr>
-          <a:xfrm>
-            <a:off x="8059738" y="3552825"/>
-            <a:ext cx="3856037" cy="2992437"/>
-          </a:xfrm>
-          <a:prstGeom prst="rect">
-            <a:avLst/>
-          </a:prstGeom>
-        </p:spPr>
-      </p:pic>
-    </p:spTree>
-    <p:extLst>
-      <p:ext uri="{BB962C8B-B14F-4D97-AF65-F5344CB8AC3E}">
-        <p14:creationId xmlns:p14="http://schemas.microsoft.com/office/powerpoint/2010/main" val="1023012816"/>
-      </p:ext>
-    </p:extLst>
-  </p:cSld>
-  <p:clrMapOvr>
-    <a:masterClrMapping/>
-  </p:clrMapOvr>
-  <mc:AlternateContent xmlns:mc="http://schemas.openxmlformats.org/markup-compatibility/2006">
-    <mc:Choice xmlns:p14="http://schemas.microsoft.com/office/powerpoint/2010/main" Requires="p14">
-      <p:transition spd="med" p14:dur="700">
-        <p:fade/>
-      </p:transition>
-    </mc:Choice>
-    <mc:Fallback>
+    <mc:Fallback xmlns="">
       <p:transition spd="med">
         <p:fade/>
       </p:transition>
